--- a/trabajos/08-contenedores-azure-automatizacion-azcli.pptx
+++ b/trabajos/08-contenedores-azure-automatizacion-azcli.pptx
@@ -5,10 +5,10 @@
     <p:sldMasterId id="2147483864" r:id="rId4"/>
   </p:sldMasterIdLst>
   <p:notesMasterIdLst>
-    <p:notesMasterId r:id="rId21"/>
+    <p:notesMasterId r:id="rId19"/>
   </p:notesMasterIdLst>
   <p:handoutMasterIdLst>
-    <p:handoutMasterId r:id="rId22"/>
+    <p:handoutMasterId r:id="rId20"/>
   </p:handoutMasterIdLst>
   <p:sldIdLst>
     <p:sldId id="271" r:id="rId5"/>
@@ -24,14 +24,12 @@
     <p:sldId id="3852" r:id="rId15"/>
     <p:sldId id="3853" r:id="rId16"/>
     <p:sldId id="3816" r:id="rId17"/>
-    <p:sldId id="3832" r:id="rId18"/>
-    <p:sldId id="3844" r:id="rId19"/>
-    <p:sldId id="3817" r:id="rId20"/>
+    <p:sldId id="3817" r:id="rId18"/>
   </p:sldIdLst>
   <p:sldSz cx="12436475" cy="6994525"/>
   <p:notesSz cx="6858000" cy="9144000"/>
   <p:custDataLst>
-    <p:tags r:id="rId23"/>
+    <p:tags r:id="rId21"/>
   </p:custDataLst>
   <p:defaultTextStyle>
     <a:defPPr>
@@ -150,8 +148,6 @@
             <p14:sldId id="3852"/>
             <p14:sldId id="3853"/>
             <p14:sldId id="3816"/>
-            <p14:sldId id="3832"/>
-            <p14:sldId id="3844"/>
             <p14:sldId id="3817"/>
           </p14:sldIdLst>
         </p14:section>
@@ -1169,222 +1165,6 @@
   <p:cSld>
     <p:spTree>
       <p:nvGrpSpPr>
-        <p:cNvPr id="1" name="">
-          <a:extLst>
-            <a:ext uri="{FF2B5EF4-FFF2-40B4-BE49-F238E27FC236}">
-              <a16:creationId xmlns:a16="http://schemas.microsoft.com/office/drawing/2014/main" id="{0CD2EB2E-E704-0B5C-9F94-7315BC2D981B}"/>
-            </a:ext>
-          </a:extLst>
-        </p:cNvPr>
-        <p:cNvGrpSpPr/>
-        <p:nvPr/>
-      </p:nvGrpSpPr>
-      <p:grpSpPr>
-        <a:xfrm>
-          <a:off x="0" y="0"/>
-          <a:ext cx="0" cy="0"/>
-          <a:chOff x="0" y="0"/>
-          <a:chExt cx="0" cy="0"/>
-        </a:xfrm>
-      </p:grpSpPr>
-      <p:sp>
-        <p:nvSpPr>
-          <p:cNvPr id="2" name="Slide Image Placeholder 1">
-            <a:extLst>
-              <a:ext uri="{FF2B5EF4-FFF2-40B4-BE49-F238E27FC236}">
-                <a16:creationId xmlns:a16="http://schemas.microsoft.com/office/drawing/2014/main" id="{A05480BF-57BD-6F4D-0C21-C11332B40819}"/>
-              </a:ext>
-            </a:extLst>
-          </p:cNvPr>
-          <p:cNvSpPr>
-            <a:spLocks noGrp="1" noRot="1" noChangeAspect="1"/>
-          </p:cNvSpPr>
-          <p:nvPr>
-            <p:ph type="sldImg"/>
-          </p:nvPr>
-        </p:nvSpPr>
-        <p:spPr/>
-      </p:sp>
-      <p:sp>
-        <p:nvSpPr>
-          <p:cNvPr id="3" name="Notes Placeholder 2">
-            <a:extLst>
-              <a:ext uri="{FF2B5EF4-FFF2-40B4-BE49-F238E27FC236}">
-                <a16:creationId xmlns:a16="http://schemas.microsoft.com/office/drawing/2014/main" id="{9F83AC47-43ED-6996-D3FD-487884441F2E}"/>
-              </a:ext>
-            </a:extLst>
-          </p:cNvPr>
-          <p:cNvSpPr>
-            <a:spLocks noGrp="1"/>
-          </p:cNvSpPr>
-          <p:nvPr>
-            <p:ph type="body" idx="1"/>
-          </p:nvPr>
-        </p:nvSpPr>
-        <p:spPr/>
-        <p:txBody>
-          <a:bodyPr/>
-          <a:lstStyle/>
-          <a:p>
-            <a:endParaRPr lang="en-US" dirty="0"/>
-          </a:p>
-        </p:txBody>
-      </p:sp>
-      <p:sp>
-        <p:nvSpPr>
-          <p:cNvPr id="4" name="Slide Number Placeholder 3">
-            <a:extLst>
-              <a:ext uri="{FF2B5EF4-FFF2-40B4-BE49-F238E27FC236}">
-                <a16:creationId xmlns:a16="http://schemas.microsoft.com/office/drawing/2014/main" id="{0D5115CE-4685-0691-80AC-472DAB949A5D}"/>
-              </a:ext>
-            </a:extLst>
-          </p:cNvPr>
-          <p:cNvSpPr>
-            <a:spLocks noGrp="1"/>
-          </p:cNvSpPr>
-          <p:nvPr>
-            <p:ph type="sldNum" sz="quarter" idx="10"/>
-          </p:nvPr>
-        </p:nvSpPr>
-        <p:spPr/>
-        <p:txBody>
-          <a:bodyPr/>
-          <a:lstStyle/>
-          <a:p>
-            <a:fld id="{5F2D3714-B553-A044-BA72-366907BA36B5}" type="slidenum">
-              <a:rPr lang="en-US" smtClean="0"/>
-              <a:t>14</a:t>
-            </a:fld>
-            <a:endParaRPr lang="en-US"/>
-          </a:p>
-        </p:txBody>
-      </p:sp>
-    </p:spTree>
-    <p:extLst>
-      <p:ext uri="{BB962C8B-B14F-4D97-AF65-F5344CB8AC3E}">
-        <p14:creationId xmlns:p14="http://schemas.microsoft.com/office/powerpoint/2010/main" val="1164385649"/>
-      </p:ext>
-    </p:extLst>
-  </p:cSld>
-  <p:clrMapOvr>
-    <a:masterClrMapping/>
-  </p:clrMapOvr>
-</p:notes>
-</file>
-
-<file path=ppt/notesSlides/notesSlide15.xml><?xml version="1.0" encoding="utf-8"?>
-<p:notes xmlns:a="http://schemas.openxmlformats.org/drawingml/2006/main" xmlns:r="http://schemas.openxmlformats.org/officeDocument/2006/relationships" xmlns:p="http://schemas.openxmlformats.org/presentationml/2006/main">
-  <p:cSld>
-    <p:spTree>
-      <p:nvGrpSpPr>
-        <p:cNvPr id="1" name="">
-          <a:extLst>
-            <a:ext uri="{FF2B5EF4-FFF2-40B4-BE49-F238E27FC236}">
-              <a16:creationId xmlns:a16="http://schemas.microsoft.com/office/drawing/2014/main" id="{0CD2EB2E-E704-0B5C-9F94-7315BC2D981B}"/>
-            </a:ext>
-          </a:extLst>
-        </p:cNvPr>
-        <p:cNvGrpSpPr/>
-        <p:nvPr/>
-      </p:nvGrpSpPr>
-      <p:grpSpPr>
-        <a:xfrm>
-          <a:off x="0" y="0"/>
-          <a:ext cx="0" cy="0"/>
-          <a:chOff x="0" y="0"/>
-          <a:chExt cx="0" cy="0"/>
-        </a:xfrm>
-      </p:grpSpPr>
-      <p:sp>
-        <p:nvSpPr>
-          <p:cNvPr id="2" name="Slide Image Placeholder 1">
-            <a:extLst>
-              <a:ext uri="{FF2B5EF4-FFF2-40B4-BE49-F238E27FC236}">
-                <a16:creationId xmlns:a16="http://schemas.microsoft.com/office/drawing/2014/main" id="{A05480BF-57BD-6F4D-0C21-C11332B40819}"/>
-              </a:ext>
-            </a:extLst>
-          </p:cNvPr>
-          <p:cNvSpPr>
-            <a:spLocks noGrp="1" noRot="1" noChangeAspect="1"/>
-          </p:cNvSpPr>
-          <p:nvPr>
-            <p:ph type="sldImg"/>
-          </p:nvPr>
-        </p:nvSpPr>
-        <p:spPr/>
-      </p:sp>
-      <p:sp>
-        <p:nvSpPr>
-          <p:cNvPr id="3" name="Notes Placeholder 2">
-            <a:extLst>
-              <a:ext uri="{FF2B5EF4-FFF2-40B4-BE49-F238E27FC236}">
-                <a16:creationId xmlns:a16="http://schemas.microsoft.com/office/drawing/2014/main" id="{9F83AC47-43ED-6996-D3FD-487884441F2E}"/>
-              </a:ext>
-            </a:extLst>
-          </p:cNvPr>
-          <p:cNvSpPr>
-            <a:spLocks noGrp="1"/>
-          </p:cNvSpPr>
-          <p:nvPr>
-            <p:ph type="body" idx="1"/>
-          </p:nvPr>
-        </p:nvSpPr>
-        <p:spPr/>
-        <p:txBody>
-          <a:bodyPr/>
-          <a:lstStyle/>
-          <a:p>
-            <a:endParaRPr lang="en-US" dirty="0"/>
-          </a:p>
-        </p:txBody>
-      </p:sp>
-      <p:sp>
-        <p:nvSpPr>
-          <p:cNvPr id="4" name="Slide Number Placeholder 3">
-            <a:extLst>
-              <a:ext uri="{FF2B5EF4-FFF2-40B4-BE49-F238E27FC236}">
-                <a16:creationId xmlns:a16="http://schemas.microsoft.com/office/drawing/2014/main" id="{0D5115CE-4685-0691-80AC-472DAB949A5D}"/>
-              </a:ext>
-            </a:extLst>
-          </p:cNvPr>
-          <p:cNvSpPr>
-            <a:spLocks noGrp="1"/>
-          </p:cNvSpPr>
-          <p:nvPr>
-            <p:ph type="sldNum" sz="quarter" idx="10"/>
-          </p:nvPr>
-        </p:nvSpPr>
-        <p:spPr/>
-        <p:txBody>
-          <a:bodyPr/>
-          <a:lstStyle/>
-          <a:p>
-            <a:fld id="{5F2D3714-B553-A044-BA72-366907BA36B5}" type="slidenum">
-              <a:rPr lang="en-US" smtClean="0"/>
-              <a:t>15</a:t>
-            </a:fld>
-            <a:endParaRPr lang="en-US"/>
-          </a:p>
-        </p:txBody>
-      </p:sp>
-    </p:spTree>
-    <p:extLst>
-      <p:ext uri="{BB962C8B-B14F-4D97-AF65-F5344CB8AC3E}">
-        <p14:creationId xmlns:p14="http://schemas.microsoft.com/office/powerpoint/2010/main" val="3866038611"/>
-      </p:ext>
-    </p:extLst>
-  </p:cSld>
-  <p:clrMapOvr>
-    <a:masterClrMapping/>
-  </p:clrMapOvr>
-</p:notes>
-</file>
-
-<file path=ppt/notesSlides/notesSlide16.xml><?xml version="1.0" encoding="utf-8"?>
-<p:notes xmlns:a="http://schemas.openxmlformats.org/drawingml/2006/main" xmlns:r="http://schemas.openxmlformats.org/officeDocument/2006/relationships" xmlns:p="http://schemas.openxmlformats.org/presentationml/2006/main">
-  <p:cSld>
-    <p:spTree>
-      <p:nvGrpSpPr>
         <p:cNvPr id="1" name=""/>
         <p:cNvGrpSpPr/>
         <p:nvPr/>
@@ -1445,7 +1225,7 @@
           <a:p>
             <a:fld id="{5F2D3714-B553-A044-BA72-366907BA36B5}" type="slidenum">
               <a:rPr lang="en-US" smtClean="0"/>
-              <a:t>16</a:t>
+              <a:t>14</a:t>
             </a:fld>
             <a:endParaRPr lang="en-US"/>
           </a:p>
@@ -20862,465 +20642,6 @@
 </file>
 
 <file path=ppt/slides/slide14.xml><?xml version="1.0" encoding="utf-8"?>
-<p:sld xmlns:a="http://schemas.openxmlformats.org/drawingml/2006/main" xmlns:r="http://schemas.openxmlformats.org/officeDocument/2006/relationships" xmlns:p="http://schemas.openxmlformats.org/presentationml/2006/main" showMasterSp="0">
-  <p:cSld>
-    <p:spTree>
-      <p:nvGrpSpPr>
-        <p:cNvPr id="1" name="">
-          <a:extLst>
-            <a:ext uri="{FF2B5EF4-FFF2-40B4-BE49-F238E27FC236}">
-              <a16:creationId xmlns:a16="http://schemas.microsoft.com/office/drawing/2014/main" id="{8236D03A-225A-22D8-C4BD-90AD0EC909A6}"/>
-            </a:ext>
-          </a:extLst>
-        </p:cNvPr>
-        <p:cNvGrpSpPr/>
-        <p:nvPr/>
-      </p:nvGrpSpPr>
-      <p:grpSpPr>
-        <a:xfrm>
-          <a:off x="0" y="0"/>
-          <a:ext cx="0" cy="0"/>
-          <a:chOff x="0" y="0"/>
-          <a:chExt cx="0" cy="0"/>
-        </a:xfrm>
-      </p:grpSpPr>
-      <p:sp>
-        <p:nvSpPr>
-          <p:cNvPr id="4" name="Title 3">
-            <a:extLst>
-              <a:ext uri="{FF2B5EF4-FFF2-40B4-BE49-F238E27FC236}">
-                <a16:creationId xmlns:a16="http://schemas.microsoft.com/office/drawing/2014/main" id="{2810C4D7-9248-7043-EFF3-EDF39D288676}"/>
-              </a:ext>
-            </a:extLst>
-          </p:cNvPr>
-          <p:cNvSpPr>
-            <a:spLocks noGrp="1"/>
-          </p:cNvSpPr>
-          <p:nvPr>
-            <p:ph type="title"/>
-          </p:nvPr>
-        </p:nvSpPr>
-        <p:spPr>
-          <a:xfrm>
-            <a:off x="434975" y="227014"/>
-            <a:ext cx="11563350" cy="754061"/>
-          </a:xfrm>
-        </p:spPr>
-        <p:txBody>
-          <a:bodyPr/>
-          <a:lstStyle/>
-          <a:p>
-            <a:r>
-              <a:rPr lang="es-AR" dirty="0"/>
-              <a:t>Consignas, Desarrollo y Desafíos del Trabajo Práctico</a:t>
-            </a:r>
-            <a:endParaRPr lang="en-US" dirty="0">
-              <a:solidFill>
-                <a:srgbClr val="2C65E1"/>
-              </a:solidFill>
-            </a:endParaRPr>
-          </a:p>
-        </p:txBody>
-      </p:sp>
-      <p:sp>
-        <p:nvSpPr>
-          <p:cNvPr id="5" name="Text Placeholder 4">
-            <a:extLst>
-              <a:ext uri="{FF2B5EF4-FFF2-40B4-BE49-F238E27FC236}">
-                <a16:creationId xmlns:a16="http://schemas.microsoft.com/office/drawing/2014/main" id="{E4510C4A-DFF3-D93A-97F5-C9DEAD0882F7}"/>
-              </a:ext>
-            </a:extLst>
-          </p:cNvPr>
-          <p:cNvSpPr>
-            <a:spLocks noGrp="1"/>
-          </p:cNvSpPr>
-          <p:nvPr>
-            <p:ph type="body" sz="quarter" idx="10"/>
-          </p:nvPr>
-        </p:nvSpPr>
-        <p:spPr>
-          <a:xfrm>
-            <a:off x="445129" y="972295"/>
-            <a:ext cx="11405976" cy="544162"/>
-          </a:xfrm>
-        </p:spPr>
-        <p:txBody>
-          <a:bodyPr/>
-          <a:lstStyle/>
-          <a:p>
-            <a:r>
-              <a:rPr lang="es-AR" sz="1800" dirty="0">
-                <a:solidFill>
-                  <a:schemeClr val="tx1">
-                    <a:lumMod val="65000"/>
-                    <a:lumOff val="35000"/>
-                  </a:schemeClr>
-                </a:solidFill>
-              </a:rPr>
-              <a:t>Integrar en nuestro pipeline características de </a:t>
-            </a:r>
-            <a:r>
-              <a:rPr lang="es-AR" sz="1800" dirty="0" err="1">
-                <a:solidFill>
-                  <a:schemeClr val="tx1">
-                    <a:lumMod val="65000"/>
-                    <a:lumOff val="35000"/>
-                  </a:schemeClr>
-                </a:solidFill>
-              </a:rPr>
-              <a:t>Code</a:t>
-            </a:r>
-            <a:r>
-              <a:rPr lang="es-AR" sz="1800" dirty="0">
-                <a:solidFill>
-                  <a:schemeClr val="tx1">
-                    <a:lumMod val="65000"/>
-                    <a:lumOff val="35000"/>
-                  </a:schemeClr>
-                </a:solidFill>
-              </a:rPr>
-              <a:t> </a:t>
-            </a:r>
-            <a:r>
-              <a:rPr lang="es-AR" sz="1800" dirty="0" err="1">
-                <a:solidFill>
-                  <a:schemeClr val="tx1">
-                    <a:lumMod val="65000"/>
-                    <a:lumOff val="35000"/>
-                  </a:schemeClr>
-                </a:solidFill>
-              </a:rPr>
-              <a:t>Coverage</a:t>
-            </a:r>
-            <a:r>
-              <a:rPr lang="es-AR" sz="1800" dirty="0">
-                <a:solidFill>
-                  <a:schemeClr val="tx1">
-                    <a:lumMod val="65000"/>
-                    <a:lumOff val="35000"/>
-                  </a:schemeClr>
-                </a:solidFill>
-              </a:rPr>
-              <a:t>, Análisis Estático con </a:t>
-            </a:r>
-            <a:r>
-              <a:rPr lang="es-AR" sz="1800" dirty="0" err="1">
-                <a:solidFill>
-                  <a:schemeClr val="tx1">
-                    <a:lumMod val="65000"/>
-                    <a:lumOff val="35000"/>
-                  </a:schemeClr>
-                </a:solidFill>
-              </a:rPr>
-              <a:t>SonarCloud</a:t>
-            </a:r>
-            <a:r>
-              <a:rPr lang="es-AR" sz="1800" dirty="0">
-                <a:solidFill>
-                  <a:schemeClr val="tx1">
-                    <a:lumMod val="65000"/>
-                    <a:lumOff val="35000"/>
-                  </a:schemeClr>
-                </a:solidFill>
-              </a:rPr>
-              <a:t>, Pruebas de Integración </a:t>
-            </a:r>
-          </a:p>
-          <a:p>
-            <a:pPr>
-              <a:lnSpc>
-                <a:spcPct val="100000"/>
-              </a:lnSpc>
-              <a:spcAft>
-                <a:spcPts val="800"/>
-              </a:spcAft>
-            </a:pPr>
-            <a:endParaRPr lang="es-AR" sz="1800" dirty="0">
-              <a:solidFill>
-                <a:schemeClr val="tx1">
-                  <a:lumMod val="65000"/>
-                  <a:lumOff val="35000"/>
-                </a:schemeClr>
-              </a:solidFill>
-            </a:endParaRPr>
-          </a:p>
-        </p:txBody>
-      </p:sp>
-    </p:spTree>
-    <p:extLst>
-      <p:ext uri="{BB962C8B-B14F-4D97-AF65-F5344CB8AC3E}">
-        <p14:creationId xmlns:p14="http://schemas.microsoft.com/office/powerpoint/2010/main" val="2855033522"/>
-      </p:ext>
-    </p:extLst>
-  </p:cSld>
-  <p:clrMapOvr>
-    <a:masterClrMapping/>
-  </p:clrMapOvr>
-  <mc:AlternateContent xmlns:mc="http://schemas.openxmlformats.org/markup-compatibility/2006" xmlns:p14="http://schemas.microsoft.com/office/powerpoint/2010/main">
-    <mc:Choice Requires="p14">
-      <p:transition spd="med" p14:dur="700">
-        <p:fade/>
-      </p:transition>
-    </mc:Choice>
-    <mc:Fallback xmlns="">
-      <p:transition spd="med">
-        <p:fade/>
-      </p:transition>
-    </mc:Fallback>
-  </mc:AlternateContent>
-</p:sld>
-</file>
-
-<file path=ppt/slides/slide15.xml><?xml version="1.0" encoding="utf-8"?>
-<p:sld xmlns:a="http://schemas.openxmlformats.org/drawingml/2006/main" xmlns:r="http://schemas.openxmlformats.org/officeDocument/2006/relationships" xmlns:p="http://schemas.openxmlformats.org/presentationml/2006/main" showMasterSp="0">
-  <p:cSld>
-    <p:spTree>
-      <p:nvGrpSpPr>
-        <p:cNvPr id="1" name="">
-          <a:extLst>
-            <a:ext uri="{FF2B5EF4-FFF2-40B4-BE49-F238E27FC236}">
-              <a16:creationId xmlns:a16="http://schemas.microsoft.com/office/drawing/2014/main" id="{8236D03A-225A-22D8-C4BD-90AD0EC909A6}"/>
-            </a:ext>
-          </a:extLst>
-        </p:cNvPr>
-        <p:cNvGrpSpPr/>
-        <p:nvPr/>
-      </p:nvGrpSpPr>
-      <p:grpSpPr>
-        <a:xfrm>
-          <a:off x="0" y="0"/>
-          <a:ext cx="0" cy="0"/>
-          <a:chOff x="0" y="0"/>
-          <a:chExt cx="0" cy="0"/>
-        </a:xfrm>
-      </p:grpSpPr>
-      <p:sp>
-        <p:nvSpPr>
-          <p:cNvPr id="4" name="Title 3">
-            <a:extLst>
-              <a:ext uri="{FF2B5EF4-FFF2-40B4-BE49-F238E27FC236}">
-                <a16:creationId xmlns:a16="http://schemas.microsoft.com/office/drawing/2014/main" id="{2810C4D7-9248-7043-EFF3-EDF39D288676}"/>
-              </a:ext>
-            </a:extLst>
-          </p:cNvPr>
-          <p:cNvSpPr>
-            <a:spLocks noGrp="1"/>
-          </p:cNvSpPr>
-          <p:nvPr>
-            <p:ph type="title"/>
-          </p:nvPr>
-        </p:nvSpPr>
-        <p:spPr>
-          <a:xfrm>
-            <a:off x="434975" y="227014"/>
-            <a:ext cx="11563350" cy="754061"/>
-          </a:xfrm>
-        </p:spPr>
-        <p:txBody>
-          <a:bodyPr/>
-          <a:lstStyle/>
-          <a:p>
-            <a:r>
-              <a:rPr lang="es-AR" dirty="0"/>
-              <a:t>Consignas, Desarrollo y Desafíos del Trabajo Práctico</a:t>
-            </a:r>
-            <a:endParaRPr lang="en-US" dirty="0">
-              <a:solidFill>
-                <a:srgbClr val="2C65E1"/>
-              </a:solidFill>
-            </a:endParaRPr>
-          </a:p>
-        </p:txBody>
-      </p:sp>
-      <p:sp>
-        <p:nvSpPr>
-          <p:cNvPr id="5" name="Text Placeholder 4">
-            <a:extLst>
-              <a:ext uri="{FF2B5EF4-FFF2-40B4-BE49-F238E27FC236}">
-                <a16:creationId xmlns:a16="http://schemas.microsoft.com/office/drawing/2014/main" id="{E4510C4A-DFF3-D93A-97F5-C9DEAD0882F7}"/>
-              </a:ext>
-            </a:extLst>
-          </p:cNvPr>
-          <p:cNvSpPr>
-            <a:spLocks noGrp="1"/>
-          </p:cNvSpPr>
-          <p:nvPr>
-            <p:ph type="body" sz="quarter" idx="10"/>
-          </p:nvPr>
-        </p:nvSpPr>
-        <p:spPr>
-          <a:xfrm>
-            <a:off x="445129" y="972295"/>
-            <a:ext cx="11405976" cy="544162"/>
-          </a:xfrm>
-        </p:spPr>
-        <p:txBody>
-          <a:bodyPr/>
-          <a:lstStyle/>
-          <a:p>
-            <a:r>
-              <a:rPr lang="es-AR" sz="1800" dirty="0">
-                <a:solidFill>
-                  <a:schemeClr val="tx1">
-                    <a:lumMod val="65000"/>
-                    <a:lumOff val="35000"/>
-                  </a:schemeClr>
-                </a:solidFill>
-              </a:rPr>
-              <a:t>Integrar en nuestro pipeline características de </a:t>
-            </a:r>
-            <a:r>
-              <a:rPr lang="es-AR" sz="1800" dirty="0" err="1">
-                <a:solidFill>
-                  <a:schemeClr val="tx1">
-                    <a:lumMod val="65000"/>
-                    <a:lumOff val="35000"/>
-                  </a:schemeClr>
-                </a:solidFill>
-              </a:rPr>
-              <a:t>Code</a:t>
-            </a:r>
-            <a:r>
-              <a:rPr lang="es-AR" sz="1800" dirty="0">
-                <a:solidFill>
-                  <a:schemeClr val="tx1">
-                    <a:lumMod val="65000"/>
-                    <a:lumOff val="35000"/>
-                  </a:schemeClr>
-                </a:solidFill>
-              </a:rPr>
-              <a:t> </a:t>
-            </a:r>
-            <a:r>
-              <a:rPr lang="es-AR" sz="1800" dirty="0" err="1">
-                <a:solidFill>
-                  <a:schemeClr val="tx1">
-                    <a:lumMod val="65000"/>
-                    <a:lumOff val="35000"/>
-                  </a:schemeClr>
-                </a:solidFill>
-              </a:rPr>
-              <a:t>Coverage</a:t>
-            </a:r>
-            <a:r>
-              <a:rPr lang="es-AR" sz="1800" dirty="0">
-                <a:solidFill>
-                  <a:schemeClr val="tx1">
-                    <a:lumMod val="65000"/>
-                    <a:lumOff val="35000"/>
-                  </a:schemeClr>
-                </a:solidFill>
-              </a:rPr>
-              <a:t>, Análisis Estático con </a:t>
-            </a:r>
-            <a:r>
-              <a:rPr lang="es-AR" sz="1800" dirty="0" err="1">
-                <a:solidFill>
-                  <a:schemeClr val="tx1">
-                    <a:lumMod val="65000"/>
-                    <a:lumOff val="35000"/>
-                  </a:schemeClr>
-                </a:solidFill>
-              </a:rPr>
-              <a:t>SonarCloud</a:t>
-            </a:r>
-            <a:r>
-              <a:rPr lang="es-AR" sz="1800" dirty="0">
-                <a:solidFill>
-                  <a:schemeClr val="tx1">
-                    <a:lumMod val="65000"/>
-                    <a:lumOff val="35000"/>
-                  </a:schemeClr>
-                </a:solidFill>
-              </a:rPr>
-              <a:t>, Pruebas de Integración </a:t>
-            </a:r>
-          </a:p>
-          <a:p>
-            <a:pPr>
-              <a:lnSpc>
-                <a:spcPct val="100000"/>
-              </a:lnSpc>
-              <a:spcAft>
-                <a:spcPts val="800"/>
-              </a:spcAft>
-            </a:pPr>
-            <a:endParaRPr lang="es-AR" sz="1800" dirty="0">
-              <a:solidFill>
-                <a:schemeClr val="tx1">
-                  <a:lumMod val="65000"/>
-                  <a:lumOff val="35000"/>
-                </a:schemeClr>
-              </a:solidFill>
-            </a:endParaRPr>
-          </a:p>
-        </p:txBody>
-      </p:sp>
-      <p:sp>
-        <p:nvSpPr>
-          <p:cNvPr id="3" name="CuadroTexto 2">
-            <a:extLst>
-              <a:ext uri="{FF2B5EF4-FFF2-40B4-BE49-F238E27FC236}">
-                <a16:creationId xmlns:a16="http://schemas.microsoft.com/office/drawing/2014/main" id="{A132146F-1E7D-A134-F16E-9594298EBB8F}"/>
-              </a:ext>
-            </a:extLst>
-          </p:cNvPr>
-          <p:cNvSpPr txBox="1"/>
-          <p:nvPr/>
-        </p:nvSpPr>
-        <p:spPr>
-          <a:xfrm>
-            <a:off x="297909" y="1622059"/>
-            <a:ext cx="11553196" cy="584775"/>
-          </a:xfrm>
-          <a:prstGeom prst="rect">
-            <a:avLst/>
-          </a:prstGeom>
-          <a:noFill/>
-        </p:spPr>
-        <p:txBody>
-          <a:bodyPr wrap="square">
-            <a:spAutoFit/>
-          </a:bodyPr>
-          <a:lstStyle/>
-          <a:p>
-            <a:endParaRPr lang="es-AR" sz="1600" b="1" dirty="0"/>
-          </a:p>
-          <a:p>
-            <a:pPr marL="276606" indent="-285750">
-              <a:buFont typeface="Arial" panose="020B0604020202020204" pitchFamily="34" charset="0"/>
-              <a:buChar char="•"/>
-            </a:pPr>
-            <a:endParaRPr lang="es-AR" sz="1600" dirty="0"/>
-          </a:p>
-        </p:txBody>
-      </p:sp>
-    </p:spTree>
-    <p:extLst>
-      <p:ext uri="{BB962C8B-B14F-4D97-AF65-F5344CB8AC3E}">
-        <p14:creationId xmlns:p14="http://schemas.microsoft.com/office/powerpoint/2010/main" val="667357442"/>
-      </p:ext>
-    </p:extLst>
-  </p:cSld>
-  <p:clrMapOvr>
-    <a:masterClrMapping/>
-  </p:clrMapOvr>
-  <mc:AlternateContent xmlns:mc="http://schemas.openxmlformats.org/markup-compatibility/2006" xmlns:p14="http://schemas.microsoft.com/office/powerpoint/2010/main">
-    <mc:Choice Requires="p14">
-      <p:transition spd="med" p14:dur="700">
-        <p:fade/>
-      </p:transition>
-    </mc:Choice>
-    <mc:Fallback xmlns="">
-      <p:transition spd="med">
-        <p:fade/>
-      </p:transition>
-    </mc:Fallback>
-  </mc:AlternateContent>
-</p:sld>
-</file>
-
-<file path=ppt/slides/slide16.xml><?xml version="1.0" encoding="utf-8"?>
 <p:sld xmlns:a="http://schemas.openxmlformats.org/drawingml/2006/main" xmlns:r="http://schemas.openxmlformats.org/officeDocument/2006/relationships" xmlns:p="http://schemas.openxmlformats.org/presentationml/2006/main" showMasterSp="0">
   <p:cSld>
     <p:spTree>
